--- a/Week 4 - Analysis of Algorithms and Asymptotic Notations/Time Complexity.pptx
+++ b/Week 4 - Analysis of Algorithms and Asymptotic Notations/Time Complexity.pptx
@@ -215,7 +215,7 @@
           <a:p>
             <a:fld id="{F666E1FD-E7A0-497B-BBC0-740BAAC97C64}" type="datetimeFigureOut">
               <a:rPr lang="en-PH" smtClean="0"/>
-              <a:t>29/04/2024</a:t>
+              <a:t>5/7/24</a:t>
             </a:fld>
             <a:endParaRPr lang="en-PH"/>
           </a:p>
@@ -2228,7 +2228,7 @@
           <a:p>
             <a:fld id="{0CCF0B81-6BD8-4C65-9459-815598C5F1F4}" type="datetimeFigureOut">
               <a:rPr lang="en-PH" smtClean="0"/>
-              <a:t>29/04/2024</a:t>
+              <a:t>5/7/24</a:t>
             </a:fld>
             <a:endParaRPr lang="en-PH"/>
           </a:p>
@@ -2428,7 +2428,7 @@
           <a:p>
             <a:fld id="{0CCF0B81-6BD8-4C65-9459-815598C5F1F4}" type="datetimeFigureOut">
               <a:rPr lang="en-PH" smtClean="0"/>
-              <a:t>29/04/2024</a:t>
+              <a:t>5/7/24</a:t>
             </a:fld>
             <a:endParaRPr lang="en-PH"/>
           </a:p>
@@ -2638,7 +2638,7 @@
           <a:p>
             <a:fld id="{0CCF0B81-6BD8-4C65-9459-815598C5F1F4}" type="datetimeFigureOut">
               <a:rPr lang="en-PH" smtClean="0"/>
-              <a:t>29/04/2024</a:t>
+              <a:t>5/7/24</a:t>
             </a:fld>
             <a:endParaRPr lang="en-PH"/>
           </a:p>
@@ -2838,7 +2838,7 @@
           <a:p>
             <a:fld id="{0CCF0B81-6BD8-4C65-9459-815598C5F1F4}" type="datetimeFigureOut">
               <a:rPr lang="en-PH" smtClean="0"/>
-              <a:t>29/04/2024</a:t>
+              <a:t>5/7/24</a:t>
             </a:fld>
             <a:endParaRPr lang="en-PH"/>
           </a:p>
@@ -3114,7 +3114,7 @@
           <a:p>
             <a:fld id="{0CCF0B81-6BD8-4C65-9459-815598C5F1F4}" type="datetimeFigureOut">
               <a:rPr lang="en-PH" smtClean="0"/>
-              <a:t>29/04/2024</a:t>
+              <a:t>5/7/24</a:t>
             </a:fld>
             <a:endParaRPr lang="en-PH"/>
           </a:p>
@@ -3382,7 +3382,7 @@
           <a:p>
             <a:fld id="{0CCF0B81-6BD8-4C65-9459-815598C5F1F4}" type="datetimeFigureOut">
               <a:rPr lang="en-PH" smtClean="0"/>
-              <a:t>29/04/2024</a:t>
+              <a:t>5/7/24</a:t>
             </a:fld>
             <a:endParaRPr lang="en-PH"/>
           </a:p>
@@ -3797,7 +3797,7 @@
           <a:p>
             <a:fld id="{0CCF0B81-6BD8-4C65-9459-815598C5F1F4}" type="datetimeFigureOut">
               <a:rPr lang="en-PH" smtClean="0"/>
-              <a:t>29/04/2024</a:t>
+              <a:t>5/7/24</a:t>
             </a:fld>
             <a:endParaRPr lang="en-PH"/>
           </a:p>
@@ -3939,7 +3939,7 @@
           <a:p>
             <a:fld id="{0CCF0B81-6BD8-4C65-9459-815598C5F1F4}" type="datetimeFigureOut">
               <a:rPr lang="en-PH" smtClean="0"/>
-              <a:t>29/04/2024</a:t>
+              <a:t>5/7/24</a:t>
             </a:fld>
             <a:endParaRPr lang="en-PH"/>
           </a:p>
@@ -4052,7 +4052,7 @@
           <a:p>
             <a:fld id="{0CCF0B81-6BD8-4C65-9459-815598C5F1F4}" type="datetimeFigureOut">
               <a:rPr lang="en-PH" smtClean="0"/>
-              <a:t>29/04/2024</a:t>
+              <a:t>5/7/24</a:t>
             </a:fld>
             <a:endParaRPr lang="en-PH"/>
           </a:p>
@@ -4365,7 +4365,7 @@
           <a:p>
             <a:fld id="{0CCF0B81-6BD8-4C65-9459-815598C5F1F4}" type="datetimeFigureOut">
               <a:rPr lang="en-PH" smtClean="0"/>
-              <a:t>29/04/2024</a:t>
+              <a:t>5/7/24</a:t>
             </a:fld>
             <a:endParaRPr lang="en-PH"/>
           </a:p>
@@ -4654,7 +4654,7 @@
           <a:p>
             <a:fld id="{0CCF0B81-6BD8-4C65-9459-815598C5F1F4}" type="datetimeFigureOut">
               <a:rPr lang="en-PH" smtClean="0"/>
-              <a:t>29/04/2024</a:t>
+              <a:t>5/7/24</a:t>
             </a:fld>
             <a:endParaRPr lang="en-PH"/>
           </a:p>
@@ -4897,7 +4897,7 @@
           <a:p>
             <a:fld id="{0CCF0B81-6BD8-4C65-9459-815598C5F1F4}" type="datetimeFigureOut">
               <a:rPr lang="en-PH" smtClean="0"/>
-              <a:t>29/04/2024</a:t>
+              <a:t>5/7/24</a:t>
             </a:fld>
             <a:endParaRPr lang="en-PH"/>
           </a:p>
@@ -5606,8 +5606,8 @@
           </a:prstGeom>
         </p:spPr>
       </p:pic>
-      <mc:AlternateContent xmlns:mc="http://schemas.openxmlformats.org/markup-compatibility/2006">
-        <mc:Choice xmlns:a14="http://schemas.microsoft.com/office/drawing/2010/main" Requires="a14">
+      <mc:AlternateContent xmlns:mc="http://schemas.openxmlformats.org/markup-compatibility/2006" xmlns:a14="http://schemas.microsoft.com/office/drawing/2010/main">
+        <mc:Choice Requires="a14">
           <p:sp>
             <p:nvSpPr>
               <p:cNvPr id="37" name="TextBox 36">
@@ -5670,7 +5670,7 @@
             </p:txBody>
           </p:sp>
         </mc:Choice>
-        <mc:Fallback>
+        <mc:Fallback xmlns="">
           <p:sp>
             <p:nvSpPr>
               <p:cNvPr id="37" name="TextBox 36">
@@ -5715,8 +5715,8 @@
           </p:sp>
         </mc:Fallback>
       </mc:AlternateContent>
-      <mc:AlternateContent xmlns:mc="http://schemas.openxmlformats.org/markup-compatibility/2006">
-        <mc:Choice xmlns:a14="http://schemas.microsoft.com/office/drawing/2010/main" Requires="a14">
+      <mc:AlternateContent xmlns:mc="http://schemas.openxmlformats.org/markup-compatibility/2006" xmlns:a14="http://schemas.microsoft.com/office/drawing/2010/main">
+        <mc:Choice Requires="a14">
           <p:sp>
             <p:nvSpPr>
               <p:cNvPr id="40" name="TextBox 39">
@@ -5803,7 +5803,7 @@
             </p:txBody>
           </p:sp>
         </mc:Choice>
-        <mc:Fallback>
+        <mc:Fallback xmlns="">
           <p:sp>
             <p:nvSpPr>
               <p:cNvPr id="40" name="TextBox 39">
@@ -5848,8 +5848,8 @@
           </p:sp>
         </mc:Fallback>
       </mc:AlternateContent>
-      <mc:AlternateContent xmlns:mc="http://schemas.openxmlformats.org/markup-compatibility/2006">
-        <mc:Choice xmlns:a14="http://schemas.microsoft.com/office/drawing/2010/main" Requires="a14">
+      <mc:AlternateContent xmlns:mc="http://schemas.openxmlformats.org/markup-compatibility/2006" xmlns:a14="http://schemas.microsoft.com/office/drawing/2010/main">
+        <mc:Choice Requires="a14">
           <p:sp>
             <p:nvSpPr>
               <p:cNvPr id="2" name="TextBox 1">
@@ -5936,7 +5936,7 @@
             </p:txBody>
           </p:sp>
         </mc:Choice>
-        <mc:Fallback>
+        <mc:Fallback xmlns="">
           <p:sp>
             <p:nvSpPr>
               <p:cNvPr id="2" name="TextBox 1">
@@ -5981,8 +5981,8 @@
           </p:sp>
         </mc:Fallback>
       </mc:AlternateContent>
-      <mc:AlternateContent xmlns:mc="http://schemas.openxmlformats.org/markup-compatibility/2006">
-        <mc:Choice xmlns:a14="http://schemas.microsoft.com/office/drawing/2010/main" Requires="a14">
+      <mc:AlternateContent xmlns:mc="http://schemas.openxmlformats.org/markup-compatibility/2006" xmlns:a14="http://schemas.microsoft.com/office/drawing/2010/main">
+        <mc:Choice Requires="a14">
           <p:sp>
             <p:nvSpPr>
               <p:cNvPr id="3" name="TextBox 2">
@@ -6049,7 +6049,7 @@
             </p:txBody>
           </p:sp>
         </mc:Choice>
-        <mc:Fallback>
+        <mc:Fallback xmlns="">
           <p:sp>
             <p:nvSpPr>
               <p:cNvPr id="3" name="TextBox 2">
@@ -6512,8 +6512,8 @@
           </a:p>
         </p:txBody>
       </p:sp>
-      <mc:AlternateContent xmlns:mc="http://schemas.openxmlformats.org/markup-compatibility/2006">
-        <mc:Choice xmlns:a14="http://schemas.microsoft.com/office/drawing/2010/main" Requires="a14">
+      <mc:AlternateContent xmlns:mc="http://schemas.openxmlformats.org/markup-compatibility/2006" xmlns:a14="http://schemas.microsoft.com/office/drawing/2010/main">
+        <mc:Choice Requires="a14">
           <p:sp>
             <p:nvSpPr>
               <p:cNvPr id="22" name="TextBox 21">
@@ -6623,7 +6623,7 @@
             </p:txBody>
           </p:sp>
         </mc:Choice>
-        <mc:Fallback>
+        <mc:Fallback xmlns="">
           <p:sp>
             <p:nvSpPr>
               <p:cNvPr id="22" name="TextBox 21">
@@ -6673,8 +6673,8 @@
           </p:sp>
         </mc:Fallback>
       </mc:AlternateContent>
-      <mc:AlternateContent xmlns:mc="http://schemas.openxmlformats.org/markup-compatibility/2006">
-        <mc:Choice xmlns:a14="http://schemas.microsoft.com/office/drawing/2010/main" Requires="a14">
+      <mc:AlternateContent xmlns:mc="http://schemas.openxmlformats.org/markup-compatibility/2006" xmlns:a14="http://schemas.microsoft.com/office/drawing/2010/main">
+        <mc:Choice Requires="a14">
           <p:graphicFrame>
             <p:nvGraphicFramePr>
               <p:cNvPr id="33" name="Table 32">
@@ -7263,7 +7263,7 @@
             </a:graphic>
           </p:graphicFrame>
         </mc:Choice>
-        <mc:Fallback>
+        <mc:Fallback xmlns="">
           <p:graphicFrame>
             <p:nvGraphicFramePr>
               <p:cNvPr id="33" name="Table 32">
@@ -7728,8 +7728,8 @@
           </p:graphicFrame>
         </mc:Fallback>
       </mc:AlternateContent>
-      <mc:AlternateContent xmlns:mc="http://schemas.openxmlformats.org/markup-compatibility/2006">
-        <mc:Choice xmlns:a14="http://schemas.microsoft.com/office/drawing/2010/main" Requires="a14">
+      <mc:AlternateContent xmlns:mc="http://schemas.openxmlformats.org/markup-compatibility/2006" xmlns:a14="http://schemas.microsoft.com/office/drawing/2010/main">
+        <mc:Choice Requires="a14">
           <p:sp>
             <p:nvSpPr>
               <p:cNvPr id="37" name="TextBox 36">
@@ -7792,7 +7792,7 @@
             </p:txBody>
           </p:sp>
         </mc:Choice>
-        <mc:Fallback>
+        <mc:Fallback xmlns="">
           <p:sp>
             <p:nvSpPr>
               <p:cNvPr id="37" name="TextBox 36">
@@ -7837,8 +7837,8 @@
           </p:sp>
         </mc:Fallback>
       </mc:AlternateContent>
-      <mc:AlternateContent xmlns:mc="http://schemas.openxmlformats.org/markup-compatibility/2006">
-        <mc:Choice xmlns:a14="http://schemas.microsoft.com/office/drawing/2010/main" Requires="a14">
+      <mc:AlternateContent xmlns:mc="http://schemas.openxmlformats.org/markup-compatibility/2006" xmlns:a14="http://schemas.microsoft.com/office/drawing/2010/main">
+        <mc:Choice Requires="a14">
           <p:sp>
             <p:nvSpPr>
               <p:cNvPr id="38" name="TextBox 37">
@@ -7936,7 +7936,7 @@
             </p:txBody>
           </p:sp>
         </mc:Choice>
-        <mc:Fallback>
+        <mc:Fallback xmlns="">
           <p:sp>
             <p:nvSpPr>
               <p:cNvPr id="38" name="TextBox 37">
@@ -7981,8 +7981,8 @@
           </p:sp>
         </mc:Fallback>
       </mc:AlternateContent>
-      <mc:AlternateContent xmlns:mc="http://schemas.openxmlformats.org/markup-compatibility/2006">
-        <mc:Choice xmlns:a14="http://schemas.microsoft.com/office/drawing/2010/main" Requires="a14">
+      <mc:AlternateContent xmlns:mc="http://schemas.openxmlformats.org/markup-compatibility/2006" xmlns:a14="http://schemas.microsoft.com/office/drawing/2010/main">
+        <mc:Choice Requires="a14">
           <p:sp>
             <p:nvSpPr>
               <p:cNvPr id="39" name="TextBox 38">
@@ -8082,7 +8082,7 @@
             </p:txBody>
           </p:sp>
         </mc:Choice>
-        <mc:Fallback>
+        <mc:Fallback xmlns="">
           <p:sp>
             <p:nvSpPr>
               <p:cNvPr id="39" name="TextBox 38">
@@ -8127,8 +8127,8 @@
           </p:sp>
         </mc:Fallback>
       </mc:AlternateContent>
-      <mc:AlternateContent xmlns:mc="http://schemas.openxmlformats.org/markup-compatibility/2006">
-        <mc:Choice xmlns:a14="http://schemas.microsoft.com/office/drawing/2010/main" Requires="a14">
+      <mc:AlternateContent xmlns:mc="http://schemas.openxmlformats.org/markup-compatibility/2006" xmlns:a14="http://schemas.microsoft.com/office/drawing/2010/main">
+        <mc:Choice Requires="a14">
           <p:sp>
             <p:nvSpPr>
               <p:cNvPr id="40" name="TextBox 39">
@@ -8209,7 +8209,7 @@
             </p:txBody>
           </p:sp>
         </mc:Choice>
-        <mc:Fallback>
+        <mc:Fallback xmlns="">
           <p:sp>
             <p:nvSpPr>
               <p:cNvPr id="40" name="TextBox 39">
@@ -8290,8 +8290,8 @@
           </a:prstGeom>
         </p:spPr>
       </p:pic>
-      <mc:AlternateContent xmlns:mc="http://schemas.openxmlformats.org/markup-compatibility/2006">
-        <mc:Choice xmlns:a14="http://schemas.microsoft.com/office/drawing/2010/main" Requires="a14">
+      <mc:AlternateContent xmlns:mc="http://schemas.openxmlformats.org/markup-compatibility/2006" xmlns:a14="http://schemas.microsoft.com/office/drawing/2010/main">
+        <mc:Choice Requires="a14">
           <p:sp>
             <p:nvSpPr>
               <p:cNvPr id="5" name="TextBox 4">
@@ -8378,7 +8378,7 @@
             </p:txBody>
           </p:sp>
         </mc:Choice>
-        <mc:Fallback>
+        <mc:Fallback xmlns="">
           <p:sp>
             <p:nvSpPr>
               <p:cNvPr id="5" name="TextBox 4">
@@ -8423,8 +8423,8 @@
           </p:sp>
         </mc:Fallback>
       </mc:AlternateContent>
-      <mc:AlternateContent xmlns:mc="http://schemas.openxmlformats.org/markup-compatibility/2006">
-        <mc:Choice xmlns:a14="http://schemas.microsoft.com/office/drawing/2010/main" Requires="a14">
+      <mc:AlternateContent xmlns:mc="http://schemas.openxmlformats.org/markup-compatibility/2006" xmlns:a14="http://schemas.microsoft.com/office/drawing/2010/main">
+        <mc:Choice Requires="a14">
           <p:sp>
             <p:nvSpPr>
               <p:cNvPr id="6" name="TextBox 5">
@@ -8510,7 +8510,7 @@
             </p:txBody>
           </p:sp>
         </mc:Choice>
-        <mc:Fallback>
+        <mc:Fallback xmlns="">
           <p:sp>
             <p:nvSpPr>
               <p:cNvPr id="6" name="TextBox 5">
@@ -9036,8 +9036,8 @@
           </a:prstGeom>
         </p:spPr>
       </p:pic>
-      <mc:AlternateContent xmlns:mc="http://schemas.openxmlformats.org/markup-compatibility/2006">
-        <mc:Choice xmlns:a14="http://schemas.microsoft.com/office/drawing/2010/main" Requires="a14">
+      <mc:AlternateContent xmlns:mc="http://schemas.openxmlformats.org/markup-compatibility/2006" xmlns:a14="http://schemas.microsoft.com/office/drawing/2010/main">
+        <mc:Choice Requires="a14">
           <p:sp>
             <p:nvSpPr>
               <p:cNvPr id="7" name="TextBox 6">
@@ -9135,7 +9135,7 @@
             </p:txBody>
           </p:sp>
         </mc:Choice>
-        <mc:Fallback>
+        <mc:Fallback xmlns="">
           <p:sp>
             <p:nvSpPr>
               <p:cNvPr id="7" name="TextBox 6">
@@ -9185,8 +9185,8 @@
           </p:sp>
         </mc:Fallback>
       </mc:AlternateContent>
-      <mc:AlternateContent xmlns:mc="http://schemas.openxmlformats.org/markup-compatibility/2006">
-        <mc:Choice xmlns:a14="http://schemas.microsoft.com/office/drawing/2010/main" Requires="a14">
+      <mc:AlternateContent xmlns:mc="http://schemas.openxmlformats.org/markup-compatibility/2006" xmlns:a14="http://schemas.microsoft.com/office/drawing/2010/main">
+        <mc:Choice Requires="a14">
           <p:sp>
             <p:nvSpPr>
               <p:cNvPr id="8" name="TextBox 7">
@@ -9265,7 +9265,7 @@
             </p:txBody>
           </p:sp>
         </mc:Choice>
-        <mc:Fallback>
+        <mc:Fallback xmlns="">
           <p:sp>
             <p:nvSpPr>
               <p:cNvPr id="8" name="TextBox 7">
@@ -9310,8 +9310,8 @@
           </p:sp>
         </mc:Fallback>
       </mc:AlternateContent>
-      <mc:AlternateContent xmlns:mc="http://schemas.openxmlformats.org/markup-compatibility/2006">
-        <mc:Choice xmlns:a14="http://schemas.microsoft.com/office/drawing/2010/main" Requires="a14">
+      <mc:AlternateContent xmlns:mc="http://schemas.openxmlformats.org/markup-compatibility/2006" xmlns:a14="http://schemas.microsoft.com/office/drawing/2010/main">
+        <mc:Choice Requires="a14">
           <p:sp>
             <p:nvSpPr>
               <p:cNvPr id="9" name="TextBox 8">
@@ -9392,7 +9392,7 @@
             </p:txBody>
           </p:sp>
         </mc:Choice>
-        <mc:Fallback>
+        <mc:Fallback xmlns="">
           <p:sp>
             <p:nvSpPr>
               <p:cNvPr id="9" name="TextBox 8">
@@ -9437,8 +9437,8 @@
           </p:sp>
         </mc:Fallback>
       </mc:AlternateContent>
-      <mc:AlternateContent xmlns:mc="http://schemas.openxmlformats.org/markup-compatibility/2006">
-        <mc:Choice xmlns:a14="http://schemas.microsoft.com/office/drawing/2010/main" Requires="a14">
+      <mc:AlternateContent xmlns:mc="http://schemas.openxmlformats.org/markup-compatibility/2006" xmlns:a14="http://schemas.microsoft.com/office/drawing/2010/main">
+        <mc:Choice Requires="a14">
           <p:sp>
             <p:nvSpPr>
               <p:cNvPr id="10" name="TextBox 9">
@@ -9513,7 +9513,7 @@
             </p:txBody>
           </p:sp>
         </mc:Choice>
-        <mc:Fallback>
+        <mc:Fallback xmlns="">
           <p:sp>
             <p:nvSpPr>
               <p:cNvPr id="10" name="TextBox 9">
@@ -9586,7 +9586,6 @@
           </a:bodyPr>
           <a:lstStyle/>
           <a:p>
-            <a:pPr/>
             <a:r>
               <a:rPr lang="en-US" sz="2400" dirty="0"/>
               <a:t>If we take the square root of both sides</a:t>
@@ -9595,8 +9594,8 @@
           </a:p>
         </p:txBody>
       </p:sp>
-      <mc:AlternateContent xmlns:mc="http://schemas.openxmlformats.org/markup-compatibility/2006">
-        <mc:Choice xmlns:a14="http://schemas.microsoft.com/office/drawing/2010/main" Requires="a14">
+      <mc:AlternateContent xmlns:mc="http://schemas.openxmlformats.org/markup-compatibility/2006" xmlns:a14="http://schemas.microsoft.com/office/drawing/2010/main">
+        <mc:Choice Requires="a14">
           <p:sp>
             <p:nvSpPr>
               <p:cNvPr id="13" name="TextBox 12">
@@ -9682,7 +9681,7 @@
             </p:txBody>
           </p:sp>
         </mc:Choice>
-        <mc:Fallback>
+        <mc:Fallback xmlns="">
           <p:sp>
             <p:nvSpPr>
               <p:cNvPr id="13" name="TextBox 12">
@@ -10328,8 +10327,8 @@
           </a:p>
         </p:txBody>
       </p:sp>
-      <mc:AlternateContent xmlns:mc="http://schemas.openxmlformats.org/markup-compatibility/2006">
-        <mc:Choice xmlns:a14="http://schemas.microsoft.com/office/drawing/2010/main" Requires="a14">
+      <mc:AlternateContent xmlns:mc="http://schemas.openxmlformats.org/markup-compatibility/2006" xmlns:a14="http://schemas.microsoft.com/office/drawing/2010/main">
+        <mc:Choice Requires="a14">
           <p:sp>
             <p:nvSpPr>
               <p:cNvPr id="16" name="TextBox 15">
@@ -10416,7 +10415,7 @@
             </p:txBody>
           </p:sp>
         </mc:Choice>
-        <mc:Fallback>
+        <mc:Fallback xmlns="">
           <p:sp>
             <p:nvSpPr>
               <p:cNvPr id="16" name="TextBox 15">
@@ -10499,8 +10498,8 @@
           </a:fontRef>
         </p:style>
       </p:cxnSp>
-      <mc:AlternateContent xmlns:mc="http://schemas.openxmlformats.org/markup-compatibility/2006">
-        <mc:Choice xmlns:a14="http://schemas.microsoft.com/office/drawing/2010/main" Requires="a14">
+      <mc:AlternateContent xmlns:mc="http://schemas.openxmlformats.org/markup-compatibility/2006" xmlns:a14="http://schemas.microsoft.com/office/drawing/2010/main">
+        <mc:Choice Requires="a14">
           <p:sp>
             <p:nvSpPr>
               <p:cNvPr id="18" name="TextBox 17">
@@ -10583,7 +10582,7 @@
             </p:txBody>
           </p:sp>
         </mc:Choice>
-        <mc:Fallback>
+        <mc:Fallback xmlns="">
           <p:sp>
             <p:nvSpPr>
               <p:cNvPr id="18" name="TextBox 17">
@@ -10917,7 +10916,7 @@
       <p:bldP spid="14" grpId="0"/>
       <p:bldP spid="15" grpId="0" animBg="1"/>
       <p:bldP spid="16" grpId="0"/>
-      <p:bldP spid="18" grpId="0"/>
+      <p:bldP spid="18" grpId="0" animBg="1"/>
     </p:bldLst>
   </p:timing>
 </p:sld>
@@ -11038,8 +11037,8 @@
           </a:fontRef>
         </p:style>
       </p:cxnSp>
-      <mc:AlternateContent xmlns:mc="http://schemas.openxmlformats.org/markup-compatibility/2006">
-        <mc:Choice xmlns:a14="http://schemas.microsoft.com/office/drawing/2010/main" Requires="a14">
+      <mc:AlternateContent xmlns:mc="http://schemas.openxmlformats.org/markup-compatibility/2006" xmlns:a14="http://schemas.microsoft.com/office/drawing/2010/main">
+        <mc:Choice Requires="a14">
           <p:sp>
             <p:nvSpPr>
               <p:cNvPr id="18" name="TextBox 17">
@@ -11082,6 +11081,7 @@
               </a:bodyPr>
               <a:lstStyle/>
               <a:p>
+                <a:pPr/>
                 <a14:m>
                   <m:oMathPara xmlns:m="http://schemas.openxmlformats.org/officeDocument/2006/math">
                     <m:oMathParaPr>
@@ -11169,7 +11169,7 @@
             </p:txBody>
           </p:sp>
         </mc:Choice>
-        <mc:Fallback>
+        <mc:Fallback xmlns="">
           <p:sp>
             <p:nvSpPr>
               <p:cNvPr id="18" name="TextBox 17">
@@ -11295,8 +11295,8 @@
           </a:p>
         </p:txBody>
       </p:sp>
-      <mc:AlternateContent xmlns:mc="http://schemas.openxmlformats.org/markup-compatibility/2006">
-        <mc:Choice xmlns:a14="http://schemas.microsoft.com/office/drawing/2010/main" Requires="a14">
+      <mc:AlternateContent xmlns:mc="http://schemas.openxmlformats.org/markup-compatibility/2006" xmlns:a14="http://schemas.microsoft.com/office/drawing/2010/main">
+        <mc:Choice Requires="a14">
           <p:sp>
             <p:nvSpPr>
               <p:cNvPr id="8" name="TextBox 7">
@@ -11385,7 +11385,7 @@
             </p:txBody>
           </p:sp>
         </mc:Choice>
-        <mc:Fallback>
+        <mc:Fallback xmlns="">
           <p:sp>
             <p:nvSpPr>
               <p:cNvPr id="8" name="TextBox 7">
@@ -11474,8 +11474,8 @@
           </a:p>
         </p:txBody>
       </p:sp>
-      <mc:AlternateContent xmlns:mc="http://schemas.openxmlformats.org/markup-compatibility/2006">
-        <mc:Choice xmlns:a14="http://schemas.microsoft.com/office/drawing/2010/main" Requires="a14">
+      <mc:AlternateContent xmlns:mc="http://schemas.openxmlformats.org/markup-compatibility/2006" xmlns:a14="http://schemas.microsoft.com/office/drawing/2010/main">
+        <mc:Choice Requires="a14">
           <p:sp>
             <p:nvSpPr>
               <p:cNvPr id="10" name="TextBox 9">
@@ -11552,7 +11552,7 @@
             </p:txBody>
           </p:sp>
         </mc:Choice>
-        <mc:Fallback>
+        <mc:Fallback xmlns="">
           <p:sp>
             <p:nvSpPr>
               <p:cNvPr id="10" name="TextBox 9">
@@ -11940,8 +11940,8 @@
           </a:p>
         </p:txBody>
       </p:sp>
-      <mc:AlternateContent xmlns:mc="http://schemas.openxmlformats.org/markup-compatibility/2006">
-        <mc:Choice xmlns:a14="http://schemas.microsoft.com/office/drawing/2010/main" Requires="a14">
+      <mc:AlternateContent xmlns:mc="http://schemas.openxmlformats.org/markup-compatibility/2006" xmlns:a14="http://schemas.microsoft.com/office/drawing/2010/main">
+        <mc:Choice Requires="a14">
           <p:sp>
             <p:nvSpPr>
               <p:cNvPr id="18" name="TextBox 17">
@@ -12084,7 +12084,7 @@
             </p:txBody>
           </p:sp>
         </mc:Choice>
-        <mc:Fallback>
+        <mc:Fallback xmlns="">
           <p:sp>
             <p:nvSpPr>
               <p:cNvPr id="18" name="TextBox 17">
@@ -12166,8 +12166,8 @@
           </a:prstGeom>
         </p:spPr>
       </p:pic>
-      <mc:AlternateContent xmlns:mc="http://schemas.openxmlformats.org/markup-compatibility/2006">
-        <mc:Choice xmlns:a14="http://schemas.microsoft.com/office/drawing/2010/main" Requires="a14">
+      <mc:AlternateContent xmlns:mc="http://schemas.openxmlformats.org/markup-compatibility/2006" xmlns:a14="http://schemas.microsoft.com/office/drawing/2010/main">
+        <mc:Choice Requires="a14">
           <p:sp>
             <p:nvSpPr>
               <p:cNvPr id="10" name="TextBox 9">
@@ -12243,7 +12243,7 @@
             </p:txBody>
           </p:sp>
         </mc:Choice>
-        <mc:Fallback>
+        <mc:Fallback xmlns="">
           <p:sp>
             <p:nvSpPr>
               <p:cNvPr id="10" name="TextBox 9">
@@ -12288,8 +12288,8 @@
           </p:sp>
         </mc:Fallback>
       </mc:AlternateContent>
-      <mc:AlternateContent xmlns:mc="http://schemas.openxmlformats.org/markup-compatibility/2006">
-        <mc:Choice xmlns:a14="http://schemas.microsoft.com/office/drawing/2010/main" Requires="a14">
+      <mc:AlternateContent xmlns:mc="http://schemas.openxmlformats.org/markup-compatibility/2006" xmlns:a14="http://schemas.microsoft.com/office/drawing/2010/main">
+        <mc:Choice Requires="a14">
           <p:sp>
             <p:nvSpPr>
               <p:cNvPr id="3" name="TextBox 2">
@@ -12318,6 +12318,7 @@
               </a:bodyPr>
               <a:lstStyle/>
               <a:p>
+                <a:pPr/>
                 <a14:m>
                   <m:oMathPara xmlns:m="http://schemas.openxmlformats.org/officeDocument/2006/math">
                     <m:oMathParaPr>
@@ -12417,7 +12418,7 @@
             </p:txBody>
           </p:sp>
         </mc:Choice>
-        <mc:Fallback>
+        <mc:Fallback xmlns="">
           <p:sp>
             <p:nvSpPr>
               <p:cNvPr id="3" name="TextBox 2">
@@ -12462,8 +12463,8 @@
           </p:sp>
         </mc:Fallback>
       </mc:AlternateContent>
-      <mc:AlternateContent xmlns:mc="http://schemas.openxmlformats.org/markup-compatibility/2006">
-        <mc:Choice xmlns:a14="http://schemas.microsoft.com/office/drawing/2010/main" Requires="a14">
+      <mc:AlternateContent xmlns:mc="http://schemas.openxmlformats.org/markup-compatibility/2006" xmlns:a14="http://schemas.microsoft.com/office/drawing/2010/main">
+        <mc:Choice Requires="a14">
           <p:sp>
             <p:nvSpPr>
               <p:cNvPr id="5" name="TextBox 4">
@@ -12567,7 +12568,7 @@
             </p:txBody>
           </p:sp>
         </mc:Choice>
-        <mc:Fallback>
+        <mc:Fallback xmlns="">
           <p:sp>
             <p:nvSpPr>
               <p:cNvPr id="5" name="TextBox 4">
@@ -12612,8 +12613,8 @@
           </p:sp>
         </mc:Fallback>
       </mc:AlternateContent>
-      <mc:AlternateContent xmlns:mc="http://schemas.openxmlformats.org/markup-compatibility/2006">
-        <mc:Choice xmlns:a14="http://schemas.microsoft.com/office/drawing/2010/main" Requires="a14">
+      <mc:AlternateContent xmlns:mc="http://schemas.openxmlformats.org/markup-compatibility/2006" xmlns:a14="http://schemas.microsoft.com/office/drawing/2010/main">
+        <mc:Choice Requires="a14">
           <p:sp>
             <p:nvSpPr>
               <p:cNvPr id="14" name="TextBox 13">
@@ -12689,7 +12690,7 @@
             </p:txBody>
           </p:sp>
         </mc:Choice>
-        <mc:Fallback>
+        <mc:Fallback xmlns="">
           <p:sp>
             <p:nvSpPr>
               <p:cNvPr id="14" name="TextBox 13">
@@ -12734,8 +12735,8 @@
           </p:sp>
         </mc:Fallback>
       </mc:AlternateContent>
-      <mc:AlternateContent xmlns:mc="http://schemas.openxmlformats.org/markup-compatibility/2006">
-        <mc:Choice xmlns:a14="http://schemas.microsoft.com/office/drawing/2010/main" Requires="a14">
+      <mc:AlternateContent xmlns:mc="http://schemas.openxmlformats.org/markup-compatibility/2006" xmlns:a14="http://schemas.microsoft.com/office/drawing/2010/main">
+        <mc:Choice Requires="a14">
           <p:sp>
             <p:nvSpPr>
               <p:cNvPr id="16" name="TextBox 15">
@@ -12821,7 +12822,7 @@
             </p:txBody>
           </p:sp>
         </mc:Choice>
-        <mc:Fallback>
+        <mc:Fallback xmlns="">
           <p:sp>
             <p:nvSpPr>
               <p:cNvPr id="16" name="TextBox 15">
@@ -13293,8 +13294,8 @@
           </a:fontRef>
         </p:style>
       </p:cxnSp>
-      <mc:AlternateContent xmlns:mc="http://schemas.openxmlformats.org/markup-compatibility/2006">
-        <mc:Choice xmlns:a14="http://schemas.microsoft.com/office/drawing/2010/main" Requires="a14">
+      <mc:AlternateContent xmlns:mc="http://schemas.openxmlformats.org/markup-compatibility/2006" xmlns:a14="http://schemas.microsoft.com/office/drawing/2010/main">
+        <mc:Choice Requires="a14">
           <p:sp>
             <p:nvSpPr>
               <p:cNvPr id="11" name="TextBox 10">
@@ -13412,7 +13413,7 @@
             </p:txBody>
           </p:sp>
         </mc:Choice>
-        <mc:Fallback>
+        <mc:Fallback xmlns="">
           <p:sp>
             <p:nvSpPr>
               <p:cNvPr id="11" name="TextBox 10">
@@ -13502,8 +13503,8 @@
           </a:p>
         </p:txBody>
       </p:sp>
-      <mc:AlternateContent xmlns:mc="http://schemas.openxmlformats.org/markup-compatibility/2006">
-        <mc:Choice xmlns:a14="http://schemas.microsoft.com/office/drawing/2010/main" Requires="a14">
+      <mc:AlternateContent xmlns:mc="http://schemas.openxmlformats.org/markup-compatibility/2006" xmlns:a14="http://schemas.microsoft.com/office/drawing/2010/main">
+        <mc:Choice Requires="a14">
           <p:sp>
             <p:nvSpPr>
               <p:cNvPr id="15" name="TextBox 14">
@@ -13599,7 +13600,7 @@
             </p:txBody>
           </p:sp>
         </mc:Choice>
-        <mc:Fallback>
+        <mc:Fallback xmlns="">
           <p:sp>
             <p:nvSpPr>
               <p:cNvPr id="15" name="TextBox 14">
@@ -13688,8 +13689,8 @@
           </a:p>
         </p:txBody>
       </p:sp>
-      <mc:AlternateContent xmlns:mc="http://schemas.openxmlformats.org/markup-compatibility/2006">
-        <mc:Choice xmlns:a14="http://schemas.microsoft.com/office/drawing/2010/main" Requires="a14">
+      <mc:AlternateContent xmlns:mc="http://schemas.openxmlformats.org/markup-compatibility/2006" xmlns:a14="http://schemas.microsoft.com/office/drawing/2010/main">
+        <mc:Choice Requires="a14">
           <p:sp>
             <p:nvSpPr>
               <p:cNvPr id="20" name="TextBox 19">
@@ -13785,7 +13786,7 @@
             </p:txBody>
           </p:sp>
         </mc:Choice>
-        <mc:Fallback>
+        <mc:Fallback xmlns="">
           <p:sp>
             <p:nvSpPr>
               <p:cNvPr id="20" name="TextBox 19">
@@ -13874,8 +13875,8 @@
           </a:p>
         </p:txBody>
       </p:sp>
-      <mc:AlternateContent xmlns:mc="http://schemas.openxmlformats.org/markup-compatibility/2006">
-        <mc:Choice xmlns:a14="http://schemas.microsoft.com/office/drawing/2010/main" Requires="a14">
+      <mc:AlternateContent xmlns:mc="http://schemas.openxmlformats.org/markup-compatibility/2006" xmlns:a14="http://schemas.microsoft.com/office/drawing/2010/main">
+        <mc:Choice Requires="a14">
           <p:sp>
             <p:nvSpPr>
               <p:cNvPr id="23" name="TextBox 22">
@@ -13927,7 +13928,7 @@
             </p:txBody>
           </p:sp>
         </mc:Choice>
-        <mc:Fallback>
+        <mc:Fallback xmlns="">
           <p:sp>
             <p:nvSpPr>
               <p:cNvPr id="23" name="TextBox 22">
@@ -13972,8 +13973,8 @@
           </p:sp>
         </mc:Fallback>
       </mc:AlternateContent>
-      <mc:AlternateContent xmlns:mc="http://schemas.openxmlformats.org/markup-compatibility/2006">
-        <mc:Choice xmlns:a14="http://schemas.microsoft.com/office/drawing/2010/main" Requires="a14">
+      <mc:AlternateContent xmlns:mc="http://schemas.openxmlformats.org/markup-compatibility/2006" xmlns:a14="http://schemas.microsoft.com/office/drawing/2010/main">
+        <mc:Choice Requires="a14">
           <p:sp>
             <p:nvSpPr>
               <p:cNvPr id="24" name="TextBox 23">
@@ -14125,7 +14126,7 @@
             </p:txBody>
           </p:sp>
         </mc:Choice>
-        <mc:Fallback>
+        <mc:Fallback xmlns="">
           <p:sp>
             <p:nvSpPr>
               <p:cNvPr id="24" name="TextBox 23">
@@ -14718,8 +14719,8 @@
           </a:p>
         </p:txBody>
       </p:sp>
-      <mc:AlternateContent xmlns:mc="http://schemas.openxmlformats.org/markup-compatibility/2006">
-        <mc:Choice xmlns:a14="http://schemas.microsoft.com/office/drawing/2010/main" Requires="a14">
+      <mc:AlternateContent xmlns:mc="http://schemas.openxmlformats.org/markup-compatibility/2006" xmlns:a14="http://schemas.microsoft.com/office/drawing/2010/main">
+        <mc:Choice Requires="a14">
           <p:sp>
             <p:nvSpPr>
               <p:cNvPr id="10" name="TextBox 9">
@@ -14771,7 +14772,7 @@
             </p:txBody>
           </p:sp>
         </mc:Choice>
-        <mc:Fallback>
+        <mc:Fallback xmlns="">
           <p:sp>
             <p:nvSpPr>
               <p:cNvPr id="10" name="TextBox 9">
@@ -14860,8 +14861,8 @@
           </a:p>
         </p:txBody>
       </p:sp>
-      <mc:AlternateContent xmlns:mc="http://schemas.openxmlformats.org/markup-compatibility/2006">
-        <mc:Choice xmlns:a14="http://schemas.microsoft.com/office/drawing/2010/main" Requires="a14">
+      <mc:AlternateContent xmlns:mc="http://schemas.openxmlformats.org/markup-compatibility/2006" xmlns:a14="http://schemas.microsoft.com/office/drawing/2010/main">
+        <mc:Choice Requires="a14">
           <p:sp>
             <p:nvSpPr>
               <p:cNvPr id="14" name="TextBox 13">
@@ -14913,7 +14914,7 @@
             </p:txBody>
           </p:sp>
         </mc:Choice>
-        <mc:Fallback>
+        <mc:Fallback xmlns="">
           <p:sp>
             <p:nvSpPr>
               <p:cNvPr id="14" name="TextBox 13">
@@ -14958,8 +14959,8 @@
           </p:sp>
         </mc:Fallback>
       </mc:AlternateContent>
-      <mc:AlternateContent xmlns:mc="http://schemas.openxmlformats.org/markup-compatibility/2006">
-        <mc:Choice xmlns:a14="http://schemas.microsoft.com/office/drawing/2010/main" Requires="a14">
+      <mc:AlternateContent xmlns:mc="http://schemas.openxmlformats.org/markup-compatibility/2006" xmlns:a14="http://schemas.microsoft.com/office/drawing/2010/main">
+        <mc:Choice Requires="a14">
           <p:sp>
             <p:nvSpPr>
               <p:cNvPr id="16" name="TextBox 15">
@@ -15066,7 +15067,7 @@
             </p:txBody>
           </p:sp>
         </mc:Choice>
-        <mc:Fallback>
+        <mc:Fallback xmlns="">
           <p:sp>
             <p:nvSpPr>
               <p:cNvPr id="16" name="TextBox 15">
@@ -15112,8 +15113,8 @@
           </p:sp>
         </mc:Fallback>
       </mc:AlternateContent>
-      <mc:AlternateContent xmlns:mc="http://schemas.openxmlformats.org/markup-compatibility/2006">
-        <mc:Choice xmlns:a14="http://schemas.microsoft.com/office/drawing/2010/main" Requires="a14">
+      <mc:AlternateContent xmlns:mc="http://schemas.openxmlformats.org/markup-compatibility/2006" xmlns:a14="http://schemas.microsoft.com/office/drawing/2010/main">
+        <mc:Choice Requires="a14">
           <p:sp>
             <p:nvSpPr>
               <p:cNvPr id="17" name="TextBox 16">
@@ -15156,6 +15157,7 @@
               </a:bodyPr>
               <a:lstStyle/>
               <a:p>
+                <a:pPr/>
                 <a14:m>
                   <m:oMathPara xmlns:m="http://schemas.openxmlformats.org/officeDocument/2006/math">
                     <m:oMathParaPr>
@@ -15217,7 +15219,7 @@
             </p:txBody>
           </p:sp>
         </mc:Choice>
-        <mc:Fallback>
+        <mc:Fallback xmlns="">
           <p:sp>
             <p:nvSpPr>
               <p:cNvPr id="17" name="TextBox 16">
@@ -15642,8 +15644,8 @@
           </a:p>
         </p:txBody>
       </p:sp>
-      <mc:AlternateContent xmlns:mc="http://schemas.openxmlformats.org/markup-compatibility/2006">
-        <mc:Choice xmlns:a14="http://schemas.microsoft.com/office/drawing/2010/main" Requires="a14">
+      <mc:AlternateContent xmlns:mc="http://schemas.openxmlformats.org/markup-compatibility/2006" xmlns:a14="http://schemas.microsoft.com/office/drawing/2010/main">
+        <mc:Choice Requires="a14">
           <p:graphicFrame>
             <p:nvGraphicFramePr>
               <p:cNvPr id="5" name="Table 4">
@@ -15895,6 +15897,7 @@
                         <a:bodyPr/>
                         <a:lstStyle/>
                         <a:p>
+                          <a:pPr/>
                           <a14:m>
                             <m:oMathPara xmlns:m="http://schemas.openxmlformats.org/officeDocument/2006/math">
                               <m:oMathParaPr>
@@ -15959,6 +15962,7 @@
                         <a:bodyPr/>
                         <a:lstStyle/>
                         <a:p>
+                          <a:pPr/>
                           <a14:m>
                             <m:oMathPara xmlns:m="http://schemas.openxmlformats.org/officeDocument/2006/math">
                               <m:oMathParaPr>
@@ -16042,6 +16046,7 @@
                         <a:bodyPr/>
                         <a:lstStyle/>
                         <a:p>
+                          <a:pPr/>
                           <a14:m>
                             <m:oMathPara xmlns:m="http://schemas.openxmlformats.org/officeDocument/2006/math">
                               <m:oMathParaPr>
@@ -16125,6 +16130,7 @@
                         <a:bodyPr/>
                         <a:lstStyle/>
                         <a:p>
+                          <a:pPr/>
                           <a14:m>
                             <m:oMathPara xmlns:m="http://schemas.openxmlformats.org/officeDocument/2006/math">
                               <m:oMathParaPr>
@@ -16440,6 +16446,7 @@
                         <a:bodyPr/>
                         <a:lstStyle/>
                         <a:p>
+                          <a:pPr/>
                           <a14:m>
                             <m:oMathPara xmlns:m="http://schemas.openxmlformats.org/officeDocument/2006/math">
                               <m:oMathParaPr>
@@ -16509,7 +16516,7 @@
             </a:graphic>
           </p:graphicFrame>
         </mc:Choice>
-        <mc:Fallback>
+        <mc:Fallback xmlns="">
           <p:graphicFrame>
             <p:nvGraphicFramePr>
               <p:cNvPr id="5" name="Table 4">
@@ -17111,8 +17118,8 @@
           </a:p>
         </p:txBody>
       </p:sp>
-      <mc:AlternateContent xmlns:mc="http://schemas.openxmlformats.org/markup-compatibility/2006">
-        <mc:Choice xmlns:a14="http://schemas.microsoft.com/office/drawing/2010/main" Requires="a14">
+      <mc:AlternateContent xmlns:mc="http://schemas.openxmlformats.org/markup-compatibility/2006" xmlns:a14="http://schemas.microsoft.com/office/drawing/2010/main">
+        <mc:Choice Requires="a14">
           <p:graphicFrame>
             <p:nvGraphicFramePr>
               <p:cNvPr id="5" name="Table 4">
@@ -17795,7 +17802,7 @@
             </a:graphic>
           </p:graphicFrame>
         </mc:Choice>
-        <mc:Fallback>
+        <mc:Fallback xmlns="">
           <p:graphicFrame>
             <p:nvGraphicFramePr>
               <p:cNvPr id="5" name="Table 4">
@@ -18683,18 +18690,31 @@
                         </a:rPr>
                         <m:t>&lt;  …&lt;</m:t>
                       </m:r>
-                      <m:r>
-                        <a:rPr lang="en-GB" sz="2600" b="0" i="1" smtClean="0">
-                          <a:latin typeface="Cambria Math" panose="02040503050406030204" pitchFamily="18" charset="0"/>
-                        </a:rPr>
-                        <m:t>𝑛</m:t>
-                      </m:r>
-                      <m:r>
-                        <a:rPr lang="en-GB" sz="2600" b="0" i="1" smtClean="0">
-                          <a:latin typeface="Cambria Math" panose="02040503050406030204" pitchFamily="18" charset="0"/>
-                        </a:rPr>
-                        <m:t>!</m:t>
-                      </m:r>
+                      <m:sSup>
+                        <m:sSupPr>
+                          <m:ctrlPr>
+                            <a:rPr lang="en-GB" sz="2600" i="1">
+                              <a:latin typeface="Cambria Math" panose="02040503050406030204" pitchFamily="18" charset="0"/>
+                            </a:rPr>
+                          </m:ctrlPr>
+                        </m:sSupPr>
+                        <m:e>
+                          <m:r>
+                            <a:rPr lang="en-GB" sz="2600" i="1">
+                              <a:latin typeface="Cambria Math" panose="02040503050406030204" pitchFamily="18" charset="0"/>
+                            </a:rPr>
+                            <m:t>𝑛</m:t>
+                          </m:r>
+                        </m:e>
+                        <m:sup>
+                          <m:r>
+                            <a:rPr lang="en-GB" sz="2600" i="1">
+                              <a:latin typeface="Cambria Math" panose="02040503050406030204" pitchFamily="18" charset="0"/>
+                            </a:rPr>
+                            <m:t>𝑛</m:t>
+                          </m:r>
+                        </m:sup>
+                      </m:sSup>
                     </m:oMath>
                   </m:oMathPara>
                 </a14:m>
@@ -18729,7 +18749,7 @@
               <a:blipFill>
                 <a:blip r:embed="rId5"/>
                 <a:stretch>
-                  <a:fillRect/>
+                  <a:fillRect t="-6061" b="-36364"/>
                 </a:stretch>
               </a:blipFill>
             </p:spPr>
@@ -18738,7 +18758,7 @@
               <a:lstStyle/>
               <a:p>
                 <a:r>
-                  <a:rPr lang="en-PH">
+                  <a:rPr lang="en-US">
                     <a:noFill/>
                   </a:rPr>
                   <a:t> </a:t>
@@ -19694,8 +19714,8 @@
           </a:p>
         </p:txBody>
       </p:sp>
-      <mc:AlternateContent xmlns:mc="http://schemas.openxmlformats.org/markup-compatibility/2006">
-        <mc:Choice xmlns:a14="http://schemas.microsoft.com/office/drawing/2010/main" Requires="a14">
+      <mc:AlternateContent xmlns:mc="http://schemas.openxmlformats.org/markup-compatibility/2006" xmlns:a14="http://schemas.microsoft.com/office/drawing/2010/main">
+        <mc:Choice Requires="a14">
           <p:sp>
             <p:nvSpPr>
               <p:cNvPr id="36" name="TextBox 35">
@@ -19724,6 +19744,7 @@
               </a:bodyPr>
               <a:lstStyle/>
               <a:p>
+                <a:pPr/>
                 <a14:m>
                   <m:oMathPara xmlns:m="http://schemas.openxmlformats.org/officeDocument/2006/math">
                     <m:oMathParaPr>
@@ -19756,7 +19777,7 @@
             </p:txBody>
           </p:sp>
         </mc:Choice>
-        <mc:Fallback>
+        <mc:Fallback xmlns="">
           <p:sp>
             <p:nvSpPr>
               <p:cNvPr id="36" name="TextBox 35">
@@ -19845,8 +19866,8 @@
           </a:p>
         </p:txBody>
       </p:sp>
-      <mc:AlternateContent xmlns:mc="http://schemas.openxmlformats.org/markup-compatibility/2006">
-        <mc:Choice xmlns:a14="http://schemas.microsoft.com/office/drawing/2010/main" Requires="a14">
+      <mc:AlternateContent xmlns:mc="http://schemas.openxmlformats.org/markup-compatibility/2006" xmlns:a14="http://schemas.microsoft.com/office/drawing/2010/main">
+        <mc:Choice Requires="a14">
           <p:sp>
             <p:nvSpPr>
               <p:cNvPr id="38" name="TextBox 37">
@@ -19875,6 +19896,7 @@
               </a:bodyPr>
               <a:lstStyle/>
               <a:p>
+                <a:pPr/>
                 <a14:m>
                   <m:oMathPara xmlns:m="http://schemas.openxmlformats.org/officeDocument/2006/math">
                     <m:oMathParaPr>
@@ -19895,7 +19917,7 @@
             </p:txBody>
           </p:sp>
         </mc:Choice>
-        <mc:Fallback>
+        <mc:Fallback xmlns="">
           <p:sp>
             <p:nvSpPr>
               <p:cNvPr id="38" name="TextBox 37">
@@ -19984,8 +20006,8 @@
           </a:p>
         </p:txBody>
       </p:sp>
-      <mc:AlternateContent xmlns:mc="http://schemas.openxmlformats.org/markup-compatibility/2006">
-        <mc:Choice xmlns:a14="http://schemas.microsoft.com/office/drawing/2010/main" Requires="a14">
+      <mc:AlternateContent xmlns:mc="http://schemas.openxmlformats.org/markup-compatibility/2006" xmlns:a14="http://schemas.microsoft.com/office/drawing/2010/main">
+        <mc:Choice Requires="a14">
           <p:sp>
             <p:nvSpPr>
               <p:cNvPr id="41" name="TextBox 40">
@@ -20084,7 +20106,7 @@
             </p:txBody>
           </p:sp>
         </mc:Choice>
-        <mc:Fallback>
+        <mc:Fallback xmlns="">
           <p:sp>
             <p:nvSpPr>
               <p:cNvPr id="41" name="TextBox 40">
@@ -20167,8 +20189,8 @@
           </a:fontRef>
         </p:style>
       </p:cxnSp>
-      <mc:AlternateContent xmlns:mc="http://schemas.openxmlformats.org/markup-compatibility/2006">
-        <mc:Choice xmlns:a14="http://schemas.microsoft.com/office/drawing/2010/main" Requires="a14">
+      <mc:AlternateContent xmlns:mc="http://schemas.openxmlformats.org/markup-compatibility/2006" xmlns:a14="http://schemas.microsoft.com/office/drawing/2010/main">
+        <mc:Choice Requires="a14">
           <p:sp>
             <p:nvSpPr>
               <p:cNvPr id="45" name="TextBox 44">
@@ -20251,7 +20273,7 @@
             </p:txBody>
           </p:sp>
         </mc:Choice>
-        <mc:Fallback>
+        <mc:Fallback xmlns="">
           <p:sp>
             <p:nvSpPr>
               <p:cNvPr id="45" name="TextBox 44">
@@ -20765,7 +20787,7 @@
       <p:bldP spid="38" grpId="0"/>
       <p:bldP spid="39" grpId="0" animBg="1"/>
       <p:bldP spid="41" grpId="0"/>
-      <p:bldP spid="45" grpId="0"/>
+      <p:bldP spid="45" grpId="0" animBg="1"/>
       <p:bldP spid="46" grpId="0" animBg="1"/>
     </p:bldLst>
   </p:timing>
@@ -20888,8 +20910,8 @@
           </a:p>
         </p:txBody>
       </p:sp>
-      <mc:AlternateContent xmlns:mc="http://schemas.openxmlformats.org/markup-compatibility/2006">
-        <mc:Choice xmlns:a14="http://schemas.microsoft.com/office/drawing/2010/main" Requires="a14">
+      <mc:AlternateContent xmlns:mc="http://schemas.openxmlformats.org/markup-compatibility/2006" xmlns:a14="http://schemas.microsoft.com/office/drawing/2010/main">
+        <mc:Choice Requires="a14">
           <p:sp>
             <p:nvSpPr>
               <p:cNvPr id="7" name="TextBox 6">
@@ -20918,6 +20940,7 @@
               </a:bodyPr>
               <a:lstStyle/>
               <a:p>
+                <a:pPr/>
                 <a14:m>
                   <m:oMathPara xmlns:m="http://schemas.openxmlformats.org/officeDocument/2006/math">
                     <m:oMathParaPr>
@@ -20950,7 +20973,7 @@
             </p:txBody>
           </p:sp>
         </mc:Choice>
-        <mc:Fallback>
+        <mc:Fallback xmlns="">
           <p:sp>
             <p:nvSpPr>
               <p:cNvPr id="7" name="TextBox 6">
@@ -20995,8 +21018,8 @@
           </p:sp>
         </mc:Fallback>
       </mc:AlternateContent>
-      <mc:AlternateContent xmlns:mc="http://schemas.openxmlformats.org/markup-compatibility/2006">
-        <mc:Choice xmlns:a14="http://schemas.microsoft.com/office/drawing/2010/main" Requires="a14">
+      <mc:AlternateContent xmlns:mc="http://schemas.openxmlformats.org/markup-compatibility/2006" xmlns:a14="http://schemas.microsoft.com/office/drawing/2010/main">
+        <mc:Choice Requires="a14">
           <p:sp>
             <p:nvSpPr>
               <p:cNvPr id="9" name="TextBox 8">
@@ -21025,6 +21048,7 @@
               </a:bodyPr>
               <a:lstStyle/>
               <a:p>
+                <a:pPr/>
                 <a14:m>
                   <m:oMathPara xmlns:m="http://schemas.openxmlformats.org/officeDocument/2006/math">
                     <m:oMathParaPr>
@@ -21045,7 +21069,7 @@
             </p:txBody>
           </p:sp>
         </mc:Choice>
-        <mc:Fallback>
+        <mc:Fallback xmlns="">
           <p:sp>
             <p:nvSpPr>
               <p:cNvPr id="9" name="TextBox 8">
@@ -21090,8 +21114,8 @@
           </p:sp>
         </mc:Fallback>
       </mc:AlternateContent>
-      <mc:AlternateContent xmlns:mc="http://schemas.openxmlformats.org/markup-compatibility/2006">
-        <mc:Choice xmlns:a14="http://schemas.microsoft.com/office/drawing/2010/main" Requires="a14">
+      <mc:AlternateContent xmlns:mc="http://schemas.openxmlformats.org/markup-compatibility/2006" xmlns:a14="http://schemas.microsoft.com/office/drawing/2010/main">
+        <mc:Choice Requires="a14">
           <p:sp>
             <p:nvSpPr>
               <p:cNvPr id="11" name="TextBox 10">
@@ -21190,7 +21214,7 @@
             </p:txBody>
           </p:sp>
         </mc:Choice>
-        <mc:Fallback>
+        <mc:Fallback xmlns="">
           <p:sp>
             <p:nvSpPr>
               <p:cNvPr id="11" name="TextBox 10">
@@ -21273,8 +21297,8 @@
           </a:fontRef>
         </p:style>
       </p:cxnSp>
-      <mc:AlternateContent xmlns:mc="http://schemas.openxmlformats.org/markup-compatibility/2006">
-        <mc:Choice xmlns:a14="http://schemas.microsoft.com/office/drawing/2010/main" Requires="a14">
+      <mc:AlternateContent xmlns:mc="http://schemas.openxmlformats.org/markup-compatibility/2006" xmlns:a14="http://schemas.microsoft.com/office/drawing/2010/main">
+        <mc:Choice Requires="a14">
           <p:sp>
             <p:nvSpPr>
               <p:cNvPr id="13" name="TextBox 12">
@@ -21361,7 +21385,7 @@
             </p:txBody>
           </p:sp>
         </mc:Choice>
-        <mc:Fallback>
+        <mc:Fallback xmlns="">
           <p:sp>
             <p:nvSpPr>
               <p:cNvPr id="13" name="TextBox 12">
@@ -22167,8 +22191,8 @@
           </a:prstGeom>
         </p:spPr>
       </p:pic>
-      <mc:AlternateContent xmlns:mc="http://schemas.openxmlformats.org/markup-compatibility/2006">
-        <mc:Choice xmlns:a14="http://schemas.microsoft.com/office/drawing/2010/main" Requires="a14">
+      <mc:AlternateContent xmlns:mc="http://schemas.openxmlformats.org/markup-compatibility/2006" xmlns:a14="http://schemas.microsoft.com/office/drawing/2010/main">
+        <mc:Choice Requires="a14">
           <p:sp>
             <p:nvSpPr>
               <p:cNvPr id="28" name="TextBox 27">
@@ -22239,7 +22263,7 @@
             </p:txBody>
           </p:sp>
         </mc:Choice>
-        <mc:Fallback>
+        <mc:Fallback xmlns="">
           <p:sp>
             <p:nvSpPr>
               <p:cNvPr id="28" name="TextBox 27">
@@ -22284,8 +22308,8 @@
           </p:sp>
         </mc:Fallback>
       </mc:AlternateContent>
-      <mc:AlternateContent xmlns:mc="http://schemas.openxmlformats.org/markup-compatibility/2006">
-        <mc:Choice xmlns:a14="http://schemas.microsoft.com/office/drawing/2010/main" Requires="a14">
+      <mc:AlternateContent xmlns:mc="http://schemas.openxmlformats.org/markup-compatibility/2006" xmlns:a14="http://schemas.microsoft.com/office/drawing/2010/main">
+        <mc:Choice Requires="a14">
           <p:sp>
             <p:nvSpPr>
               <p:cNvPr id="30" name="TextBox 29">
@@ -22314,6 +22338,7 @@
               </a:bodyPr>
               <a:lstStyle/>
               <a:p>
+                <a:pPr/>
                 <a14:m>
                   <m:oMathPara xmlns:m="http://schemas.openxmlformats.org/officeDocument/2006/math">
                     <m:oMathParaPr>
@@ -22394,7 +22419,7 @@
             </p:txBody>
           </p:sp>
         </mc:Choice>
-        <mc:Fallback>
+        <mc:Fallback xmlns="">
           <p:sp>
             <p:nvSpPr>
               <p:cNvPr id="30" name="TextBox 29">
@@ -22477,8 +22502,8 @@
           </a:fontRef>
         </p:style>
       </p:cxnSp>
-      <mc:AlternateContent xmlns:mc="http://schemas.openxmlformats.org/markup-compatibility/2006">
-        <mc:Choice xmlns:a14="http://schemas.microsoft.com/office/drawing/2010/main" Requires="a14">
+      <mc:AlternateContent xmlns:mc="http://schemas.openxmlformats.org/markup-compatibility/2006" xmlns:a14="http://schemas.microsoft.com/office/drawing/2010/main">
+        <mc:Choice Requires="a14">
           <p:sp>
             <p:nvSpPr>
               <p:cNvPr id="32" name="TextBox 31">
@@ -22565,7 +22590,7 @@
             </p:txBody>
           </p:sp>
         </mc:Choice>
-        <mc:Fallback>
+        <mc:Fallback xmlns="">
           <p:sp>
             <p:nvSpPr>
               <p:cNvPr id="32" name="TextBox 31">
@@ -22703,8 +22728,8 @@
           </a:p>
         </p:txBody>
       </p:sp>
-      <mc:AlternateContent xmlns:mc="http://schemas.openxmlformats.org/markup-compatibility/2006">
-        <mc:Choice xmlns:a14="http://schemas.microsoft.com/office/drawing/2010/main" Requires="a14">
+      <mc:AlternateContent xmlns:mc="http://schemas.openxmlformats.org/markup-compatibility/2006" xmlns:a14="http://schemas.microsoft.com/office/drawing/2010/main">
+        <mc:Choice Requires="a14">
           <p:sp>
             <p:nvSpPr>
               <p:cNvPr id="36" name="TextBox 35">
@@ -22756,7 +22781,7 @@
             </p:txBody>
           </p:sp>
         </mc:Choice>
-        <mc:Fallback>
+        <mc:Fallback xmlns="">
           <p:sp>
             <p:nvSpPr>
               <p:cNvPr id="36" name="TextBox 35">
@@ -23333,8 +23358,8 @@
           </a:prstGeom>
         </p:spPr>
       </p:pic>
-      <mc:AlternateContent xmlns:mc="http://schemas.openxmlformats.org/markup-compatibility/2006">
-        <mc:Choice xmlns:a14="http://schemas.microsoft.com/office/drawing/2010/main" Requires="a14">
+      <mc:AlternateContent xmlns:mc="http://schemas.openxmlformats.org/markup-compatibility/2006" xmlns:a14="http://schemas.microsoft.com/office/drawing/2010/main">
+        <mc:Choice Requires="a14">
           <p:sp>
             <p:nvSpPr>
               <p:cNvPr id="5" name="TextBox 4">
@@ -23398,7 +23423,7 @@
             </p:txBody>
           </p:sp>
         </mc:Choice>
-        <mc:Fallback>
+        <mc:Fallback xmlns="">
           <p:sp>
             <p:nvSpPr>
               <p:cNvPr id="5" name="TextBox 4">
@@ -23443,8 +23468,8 @@
           </p:sp>
         </mc:Fallback>
       </mc:AlternateContent>
-      <mc:AlternateContent xmlns:mc="http://schemas.openxmlformats.org/markup-compatibility/2006">
-        <mc:Choice xmlns:a14="http://schemas.microsoft.com/office/drawing/2010/main" Requires="a14">
+      <mc:AlternateContent xmlns:mc="http://schemas.openxmlformats.org/markup-compatibility/2006" xmlns:a14="http://schemas.microsoft.com/office/drawing/2010/main">
+        <mc:Choice Requires="a14">
           <p:sp>
             <p:nvSpPr>
               <p:cNvPr id="6" name="TextBox 5">
@@ -23606,7 +23631,7 @@
             </p:txBody>
           </p:sp>
         </mc:Choice>
-        <mc:Fallback>
+        <mc:Fallback xmlns="">
           <p:sp>
             <p:nvSpPr>
               <p:cNvPr id="6" name="TextBox 5">
@@ -23689,8 +23714,8 @@
           </a:fontRef>
         </p:style>
       </p:cxnSp>
-      <mc:AlternateContent xmlns:mc="http://schemas.openxmlformats.org/markup-compatibility/2006">
-        <mc:Choice xmlns:a14="http://schemas.microsoft.com/office/drawing/2010/main" Requires="a14">
+      <mc:AlternateContent xmlns:mc="http://schemas.openxmlformats.org/markup-compatibility/2006" xmlns:a14="http://schemas.microsoft.com/office/drawing/2010/main">
+        <mc:Choice Requires="a14">
           <p:sp>
             <p:nvSpPr>
               <p:cNvPr id="8" name="TextBox 7">
@@ -23794,7 +23819,7 @@
             </p:txBody>
           </p:sp>
         </mc:Choice>
-        <mc:Fallback>
+        <mc:Fallback xmlns="">
           <p:sp>
             <p:nvSpPr>
               <p:cNvPr id="8" name="TextBox 7">
@@ -23932,8 +23957,8 @@
           </a:p>
         </p:txBody>
       </p:sp>
-      <mc:AlternateContent xmlns:mc="http://schemas.openxmlformats.org/markup-compatibility/2006">
-        <mc:Choice xmlns:a14="http://schemas.microsoft.com/office/drawing/2010/main" Requires="a14">
+      <mc:AlternateContent xmlns:mc="http://schemas.openxmlformats.org/markup-compatibility/2006" xmlns:a14="http://schemas.microsoft.com/office/drawing/2010/main">
+        <mc:Choice Requires="a14">
           <p:sp>
             <p:nvSpPr>
               <p:cNvPr id="11" name="TextBox 10">
@@ -24020,7 +24045,7 @@
             </p:txBody>
           </p:sp>
         </mc:Choice>
-        <mc:Fallback>
+        <mc:Fallback xmlns="">
           <p:sp>
             <p:nvSpPr>
               <p:cNvPr id="11" name="TextBox 10">
@@ -24065,8 +24090,8 @@
           </p:sp>
         </mc:Fallback>
       </mc:AlternateContent>
-      <mc:AlternateContent xmlns:mc="http://schemas.openxmlformats.org/markup-compatibility/2006">
-        <mc:Choice xmlns:a14="http://schemas.microsoft.com/office/drawing/2010/main" Requires="a14">
+      <mc:AlternateContent xmlns:mc="http://schemas.openxmlformats.org/markup-compatibility/2006" xmlns:a14="http://schemas.microsoft.com/office/drawing/2010/main">
+        <mc:Choice Requires="a14">
           <p:sp>
             <p:nvSpPr>
               <p:cNvPr id="12" name="TextBox 11">
@@ -24132,7 +24157,7 @@
             </p:txBody>
           </p:sp>
         </mc:Choice>
-        <mc:Fallback>
+        <mc:Fallback xmlns="">
           <p:sp>
             <p:nvSpPr>
               <p:cNvPr id="12" name="TextBox 11">
@@ -24221,8 +24246,8 @@
           </a:p>
         </p:txBody>
       </p:sp>
-      <mc:AlternateContent xmlns:mc="http://schemas.openxmlformats.org/markup-compatibility/2006">
-        <mc:Choice xmlns:a14="http://schemas.microsoft.com/office/drawing/2010/main" Requires="a14">
+      <mc:AlternateContent xmlns:mc="http://schemas.openxmlformats.org/markup-compatibility/2006" xmlns:a14="http://schemas.microsoft.com/office/drawing/2010/main">
+        <mc:Choice Requires="a14">
           <p:sp>
             <p:nvSpPr>
               <p:cNvPr id="2" name="TextBox 1">
@@ -24311,7 +24336,7 @@
             </p:txBody>
           </p:sp>
         </mc:Choice>
-        <mc:Fallback>
+        <mc:Fallback xmlns="">
           <p:sp>
             <p:nvSpPr>
               <p:cNvPr id="2" name="TextBox 1">
@@ -24902,8 +24927,8 @@
           </a:prstGeom>
         </p:spPr>
       </p:pic>
-      <mc:AlternateContent xmlns:mc="http://schemas.openxmlformats.org/markup-compatibility/2006">
-        <mc:Choice xmlns:a14="http://schemas.microsoft.com/office/drawing/2010/main" Requires="a14">
+      <mc:AlternateContent xmlns:mc="http://schemas.openxmlformats.org/markup-compatibility/2006" xmlns:a14="http://schemas.microsoft.com/office/drawing/2010/main">
+        <mc:Choice Requires="a14">
           <p:sp>
             <p:nvSpPr>
               <p:cNvPr id="22" name="TextBox 21">
@@ -24950,6 +24975,7 @@
               </a:bodyPr>
               <a:lstStyle/>
               <a:p>
+                <a:pPr/>
                 <a14:m>
                   <m:oMathPara xmlns:m="http://schemas.openxmlformats.org/officeDocument/2006/math">
                     <m:oMathParaPr>
@@ -25012,7 +25038,7 @@
             </p:txBody>
           </p:sp>
         </mc:Choice>
-        <mc:Fallback>
+        <mc:Fallback xmlns="">
           <p:sp>
             <p:nvSpPr>
               <p:cNvPr id="22" name="TextBox 21">
@@ -25062,8 +25088,8 @@
           </p:sp>
         </mc:Fallback>
       </mc:AlternateContent>
-      <mc:AlternateContent xmlns:mc="http://schemas.openxmlformats.org/markup-compatibility/2006">
-        <mc:Choice xmlns:a14="http://schemas.microsoft.com/office/drawing/2010/main" Requires="a14">
+      <mc:AlternateContent xmlns:mc="http://schemas.openxmlformats.org/markup-compatibility/2006" xmlns:a14="http://schemas.microsoft.com/office/drawing/2010/main">
+        <mc:Choice Requires="a14">
           <p:graphicFrame>
             <p:nvGraphicFramePr>
               <p:cNvPr id="33" name="Table 32">
@@ -25730,7 +25756,7 @@
             </a:graphic>
           </p:graphicFrame>
         </mc:Choice>
-        <mc:Fallback>
+        <mc:Fallback xmlns="">
           <p:graphicFrame>
             <p:nvGraphicFramePr>
               <p:cNvPr id="33" name="Table 32">
@@ -26128,8 +26154,8 @@
           </p:graphicFrame>
         </mc:Fallback>
       </mc:AlternateContent>
-      <mc:AlternateContent xmlns:mc="http://schemas.openxmlformats.org/markup-compatibility/2006">
-        <mc:Choice xmlns:a14="http://schemas.microsoft.com/office/drawing/2010/main" Requires="a14">
+      <mc:AlternateContent xmlns:mc="http://schemas.openxmlformats.org/markup-compatibility/2006" xmlns:a14="http://schemas.microsoft.com/office/drawing/2010/main">
+        <mc:Choice Requires="a14">
           <p:sp>
             <p:nvSpPr>
               <p:cNvPr id="37" name="TextBox 36">
@@ -26192,7 +26218,7 @@
             </p:txBody>
           </p:sp>
         </mc:Choice>
-        <mc:Fallback>
+        <mc:Fallback xmlns="">
           <p:sp>
             <p:nvSpPr>
               <p:cNvPr id="37" name="TextBox 36">
@@ -26237,8 +26263,8 @@
           </p:sp>
         </mc:Fallback>
       </mc:AlternateContent>
-      <mc:AlternateContent xmlns:mc="http://schemas.openxmlformats.org/markup-compatibility/2006">
-        <mc:Choice xmlns:a14="http://schemas.microsoft.com/office/drawing/2010/main" Requires="a14">
+      <mc:AlternateContent xmlns:mc="http://schemas.openxmlformats.org/markup-compatibility/2006" xmlns:a14="http://schemas.microsoft.com/office/drawing/2010/main">
+        <mc:Choice Requires="a14">
           <p:sp>
             <p:nvSpPr>
               <p:cNvPr id="38" name="TextBox 37">
@@ -26317,7 +26343,7 @@
             </p:txBody>
           </p:sp>
         </mc:Choice>
-        <mc:Fallback>
+        <mc:Fallback xmlns="">
           <p:sp>
             <p:nvSpPr>
               <p:cNvPr id="38" name="TextBox 37">
@@ -26362,8 +26388,8 @@
           </p:sp>
         </mc:Fallback>
       </mc:AlternateContent>
-      <mc:AlternateContent xmlns:mc="http://schemas.openxmlformats.org/markup-compatibility/2006">
-        <mc:Choice xmlns:a14="http://schemas.microsoft.com/office/drawing/2010/main" Requires="a14">
+      <mc:AlternateContent xmlns:mc="http://schemas.openxmlformats.org/markup-compatibility/2006" xmlns:a14="http://schemas.microsoft.com/office/drawing/2010/main">
+        <mc:Choice Requires="a14">
           <p:sp>
             <p:nvSpPr>
               <p:cNvPr id="39" name="TextBox 38">
@@ -26392,6 +26418,7 @@
               </a:bodyPr>
               <a:lstStyle/>
               <a:p>
+                <a:pPr/>
                 <a14:m>
                   <m:oMathPara xmlns:m="http://schemas.openxmlformats.org/officeDocument/2006/math">
                     <m:oMathParaPr>
@@ -26443,7 +26470,7 @@
             </p:txBody>
           </p:sp>
         </mc:Choice>
-        <mc:Fallback>
+        <mc:Fallback xmlns="">
           <p:sp>
             <p:nvSpPr>
               <p:cNvPr id="39" name="TextBox 38">
@@ -26488,8 +26515,8 @@
           </p:sp>
         </mc:Fallback>
       </mc:AlternateContent>
-      <mc:AlternateContent xmlns:mc="http://schemas.openxmlformats.org/markup-compatibility/2006">
-        <mc:Choice xmlns:a14="http://schemas.microsoft.com/office/drawing/2010/main" Requires="a14">
+      <mc:AlternateContent xmlns:mc="http://schemas.openxmlformats.org/markup-compatibility/2006" xmlns:a14="http://schemas.microsoft.com/office/drawing/2010/main">
+        <mc:Choice Requires="a14">
           <p:sp>
             <p:nvSpPr>
               <p:cNvPr id="40" name="TextBox 39">
@@ -26518,6 +26545,7 @@
               </a:bodyPr>
               <a:lstStyle/>
               <a:p>
+                <a:pPr/>
                 <a14:m>
                   <m:oMathPara xmlns:m="http://schemas.openxmlformats.org/officeDocument/2006/math">
                     <m:oMathParaPr>
@@ -26575,7 +26603,7 @@
             </p:txBody>
           </p:sp>
         </mc:Choice>
-        <mc:Fallback>
+        <mc:Fallback xmlns="">
           <p:sp>
             <p:nvSpPr>
               <p:cNvPr id="40" name="TextBox 39">
@@ -27531,6 +27559,21 @@
 </file>
 
 <file path=customXml/item1.xml><?xml version="1.0" encoding="utf-8"?>
+<?mso-contentType ?>
+<FormTemplates xmlns="http://schemas.microsoft.com/sharepoint/v3/contenttype/forms">
+  <Display>DocumentLibraryForm</Display>
+  <Edit>DocumentLibraryForm</Edit>
+  <New>DocumentLibraryForm</New>
+</FormTemplates>
+</file>
+
+<file path=customXml/item2.xml><?xml version="1.0" encoding="utf-8"?>
+<p:properties xmlns:p="http://schemas.microsoft.com/office/2006/metadata/properties" xmlns:xsi="http://www.w3.org/2001/XMLSchema-instance" xmlns:pc="http://schemas.microsoft.com/office/infopath/2007/PartnerControls">
+  <documentManagement/>
+</p:properties>
+</file>
+
+<file path=customXml/item3.xml><?xml version="1.0" encoding="utf-8"?>
 <ct:contentTypeSchema xmlns:ct="http://schemas.microsoft.com/office/2006/metadata/contentType" xmlns:ma="http://schemas.microsoft.com/office/2006/metadata/properties/metaAttributes" ct:_="" ma:_="" ma:contentTypeName="Document" ma:contentTypeID="0x0101007188BDCA587B344BBA6CB1A93FAE6998" ma:contentTypeVersion="2" ma:contentTypeDescription="Create a new document." ma:contentTypeScope="" ma:versionID="7a8e4b6720badb2566a0cfeddfaf2856">
   <xsd:schema xmlns:xsd="http://www.w3.org/2001/XMLSchema" xmlns:xs="http://www.w3.org/2001/XMLSchema" xmlns:p="http://schemas.microsoft.com/office/2006/metadata/properties" xmlns:ns2="ba111d12-426d-4af0-bcb6-460e36974645" targetNamespace="http://schemas.microsoft.com/office/2006/metadata/properties" ma:root="true" ma:fieldsID="989b05398519136c88ba0a8d54e3c3da" ns2:_="">
     <xsd:import namespace="ba111d12-426d-4af0-bcb6-460e36974645"/>
@@ -27662,22 +27705,24 @@
 </ct:contentTypeSchema>
 </file>
 
-<file path=customXml/item2.xml><?xml version="1.0" encoding="utf-8"?>
-<p:properties xmlns:p="http://schemas.microsoft.com/office/2006/metadata/properties" xmlns:xsi="http://www.w3.org/2001/XMLSchema-instance" xmlns:pc="http://schemas.microsoft.com/office/infopath/2007/PartnerControls">
-  <documentManagement/>
-</p:properties>
+<file path=customXml/itemProps1.xml><?xml version="1.0" encoding="utf-8"?>
+<ds:datastoreItem xmlns:ds="http://schemas.openxmlformats.org/officeDocument/2006/customXml" ds:itemID="{AE0C03B0-3DE5-4BD9-B3BB-6E4919CD06B4}">
+  <ds:schemaRefs>
+    <ds:schemaRef ds:uri="http://schemas.microsoft.com/sharepoint/v3/contenttype/forms"/>
+  </ds:schemaRefs>
+</ds:datastoreItem>
 </file>
 
-<file path=customXml/item3.xml><?xml version="1.0" encoding="utf-8"?>
-<?mso-contentType ?>
-<FormTemplates xmlns="http://schemas.microsoft.com/sharepoint/v3/contenttype/forms">
-  <Display>DocumentLibraryForm</Display>
-  <Edit>DocumentLibraryForm</Edit>
-  <New>DocumentLibraryForm</New>
-</FormTemplates>
+<file path=customXml/itemProps2.xml><?xml version="1.0" encoding="utf-8"?>
+<ds:datastoreItem xmlns:ds="http://schemas.openxmlformats.org/officeDocument/2006/customXml" ds:itemID="{A05518A6-09E4-4E11-AE7D-4C13722BEBC7}">
+  <ds:schemaRefs>
+    <ds:schemaRef ds:uri="http://schemas.microsoft.com/office/2006/metadata/properties"/>
+    <ds:schemaRef ds:uri="http://schemas.microsoft.com/office/infopath/2007/PartnerControls"/>
+  </ds:schemaRefs>
+</ds:datastoreItem>
 </file>
 
-<file path=customXml/itemProps1.xml><?xml version="1.0" encoding="utf-8"?>
+<file path=customXml/itemProps3.xml><?xml version="1.0" encoding="utf-8"?>
 <ds:datastoreItem xmlns:ds="http://schemas.openxmlformats.org/officeDocument/2006/customXml" ds:itemID="{46BFEDF5-8B64-4FF5-9637-4791A1C152B8}">
   <ds:schemaRefs>
     <ds:schemaRef ds:uri="http://schemas.microsoft.com/office/2006/metadata/contentType"/>
@@ -27693,21 +27738,4 @@
     <ds:schemaRef ds:uri="http://schemas.microsoft.com/internal/obd"/>
   </ds:schemaRefs>
 </ds:datastoreItem>
-</file>
-
-<file path=customXml/itemProps2.xml><?xml version="1.0" encoding="utf-8"?>
-<ds:datastoreItem xmlns:ds="http://schemas.openxmlformats.org/officeDocument/2006/customXml" ds:itemID="{A05518A6-09E4-4E11-AE7D-4C13722BEBC7}">
-  <ds:schemaRefs>
-    <ds:schemaRef ds:uri="http://schemas.microsoft.com/office/2006/metadata/properties"/>
-    <ds:schemaRef ds:uri="http://schemas.microsoft.com/office/infopath/2007/PartnerControls"/>
-  </ds:schemaRefs>
-</ds:datastoreItem>
-</file>
-
-<file path=customXml/itemProps3.xml><?xml version="1.0" encoding="utf-8"?>
-<ds:datastoreItem xmlns:ds="http://schemas.openxmlformats.org/officeDocument/2006/customXml" ds:itemID="{AE0C03B0-3DE5-4BD9-B3BB-6E4919CD06B4}">
-  <ds:schemaRefs>
-    <ds:schemaRef ds:uri="http://schemas.microsoft.com/sharepoint/v3/contenttype/forms"/>
-  </ds:schemaRefs>
-</ds:datastoreItem>
 </file>